--- a/Burndown & Velocity/V1.9.1 [2021-09-04] Burndown Velocity Sprint 1-9.pptx
+++ b/Burndown & Velocity/V1.9.1 [2021-09-04] Burndown Velocity Sprint 1-9.pptx
@@ -116,7 +116,7 @@
 <file path=ppt/charts/chart1.xml><?xml version="1.0" encoding="utf-8"?>
 <c:chartSpace xmlns:c="http://schemas.openxmlformats.org/drawingml/2006/chart" xmlns:a="http://schemas.openxmlformats.org/drawingml/2006/main" xmlns:r="http://schemas.openxmlformats.org/officeDocument/2006/relationships" xmlns:c16r2="http://schemas.microsoft.com/office/drawing/2015/06/chart">
   <c:date1904 val="0"/>
-  <c:lang val="th-TH"/>
+  <c:lang val="en-US"/>
   <c:roundedCorners val="0"/>
   <mc:AlternateContent xmlns:mc="http://schemas.openxmlformats.org/markup-compatibility/2006">
     <mc:Choice xmlns:c14="http://schemas.microsoft.com/office/drawing/2007/8/2/chart" Requires="c14">
@@ -238,7 +238,7 @@
                   <a:schemeClr val="tx1"/>
                 </a:solidFill>
               </a:rPr>
-              <a:t>ที่ 8</a:t>
+              <a:t>ที่ 9</a:t>
             </a:r>
           </a:p>
         </c:rich>
@@ -265,7 +265,7 @@
               <a:cs typeface="TH Sarabun New" panose="020B0500040200020003" pitchFamily="34" charset="-34"/>
             </a:defRPr>
           </a:pPr>
-          <a:endParaRPr lang="en-US"/>
+          <a:endParaRPr lang="th-TH"/>
         </a:p>
       </c:txPr>
     </c:title>
@@ -328,9 +328,9 @@
           </c:dLbls>
           <c:cat>
             <c:strRef>
-              <c:f>Sheet1!$A$2:$A$10</c:f>
+              <c:f>Sheet1!$A$2:$A$11</c:f>
               <c:strCache>
-                <c:ptCount val="9"/>
+                <c:ptCount val="10"/>
                 <c:pt idx="0">
                   <c:v>start</c:v>
                 </c:pt>
@@ -358,40 +358,46 @@
                 <c:pt idx="8">
                   <c:v>Sprint 1/8</c:v>
                 </c:pt>
+                <c:pt idx="9">
+                  <c:v>Sprint 1/8</c:v>
+                </c:pt>
               </c:strCache>
             </c:strRef>
           </c:cat>
           <c:val>
             <c:numRef>
-              <c:f>Sheet1!$B$2:$B$10</c:f>
+              <c:f>Sheet1!$B$2:$B$11</c:f>
               <c:numCache>
                 <c:formatCode>General</c:formatCode>
-                <c:ptCount val="9"/>
+                <c:ptCount val="10"/>
                 <c:pt idx="0">
-                  <c:v>3850</c:v>
+                  <c:v>3995</c:v>
                 </c:pt>
                 <c:pt idx="1">
-                  <c:v>3615</c:v>
+                  <c:v>3760</c:v>
                 </c:pt>
                 <c:pt idx="2">
-                  <c:v>3090</c:v>
+                  <c:v>3235</c:v>
                 </c:pt>
                 <c:pt idx="3">
-                  <c:v>2385</c:v>
+                  <c:v>2530</c:v>
                 </c:pt>
                 <c:pt idx="4">
-                  <c:v>1760</c:v>
+                  <c:v>1905</c:v>
                 </c:pt>
                 <c:pt idx="5">
-                  <c:v>1285</c:v>
+                  <c:v>1430</c:v>
                 </c:pt>
                 <c:pt idx="6">
-                  <c:v>800</c:v>
+                  <c:v>945</c:v>
                 </c:pt>
                 <c:pt idx="7">
-                  <c:v>190</c:v>
+                  <c:v>335</c:v>
                 </c:pt>
                 <c:pt idx="8">
+                  <c:v>145</c:v>
+                </c:pt>
+                <c:pt idx="9">
                   <c:v>0</c:v>
                 </c:pt>
               </c:numCache>
@@ -491,7 +497,7 @@
                     <a:cs typeface="TH Sarabun New" panose="020B0500040200020003" pitchFamily="34" charset="-34"/>
                   </a:defRPr>
                 </a:pPr>
-                <a:endParaRPr lang="en-US"/>
+                <a:endParaRPr lang="th-TH"/>
               </a:p>
             </c:txPr>
             <c:dLblPos val="t"/>
@@ -524,9 +530,9 @@
           </c:dLbls>
           <c:cat>
             <c:strRef>
-              <c:f>Sheet1!$A$2:$A$10</c:f>
+              <c:f>Sheet1!$A$2:$A$11</c:f>
               <c:strCache>
-                <c:ptCount val="9"/>
+                <c:ptCount val="10"/>
                 <c:pt idx="0">
                   <c:v>start</c:v>
                 </c:pt>
@@ -554,40 +560,46 @@
                 <c:pt idx="8">
                   <c:v>Sprint 1/8</c:v>
                 </c:pt>
+                <c:pt idx="9">
+                  <c:v>Sprint 1/8</c:v>
+                </c:pt>
               </c:strCache>
             </c:strRef>
           </c:cat>
           <c:val>
             <c:numRef>
-              <c:f>Sheet1!$C$2:$C$10</c:f>
+              <c:f>Sheet1!$C$2:$C$11</c:f>
               <c:numCache>
                 <c:formatCode>General</c:formatCode>
-                <c:ptCount val="9"/>
+                <c:ptCount val="10"/>
                 <c:pt idx="0">
-                  <c:v>3850</c:v>
+                  <c:v>3995</c:v>
                 </c:pt>
                 <c:pt idx="1">
-                  <c:v>3615</c:v>
+                  <c:v>3760</c:v>
                 </c:pt>
                 <c:pt idx="2">
-                  <c:v>3090</c:v>
+                  <c:v>3235</c:v>
                 </c:pt>
                 <c:pt idx="3">
-                  <c:v>2385</c:v>
+                  <c:v>2530</c:v>
                 </c:pt>
                 <c:pt idx="4">
-                  <c:v>1760</c:v>
+                  <c:v>1905</c:v>
                 </c:pt>
                 <c:pt idx="5">
-                  <c:v>1285</c:v>
+                  <c:v>1430</c:v>
                 </c:pt>
                 <c:pt idx="6">
-                  <c:v>800</c:v>
+                  <c:v>945</c:v>
                 </c:pt>
                 <c:pt idx="7">
-                  <c:v>190</c:v>
+                  <c:v>335</c:v>
                 </c:pt>
                 <c:pt idx="8">
+                  <c:v>145</c:v>
+                </c:pt>
+                <c:pt idx="9">
                   <c:v>0</c:v>
                 </c:pt>
               </c:numCache>
@@ -655,7 +667,7 @@
                 <a:cs typeface="TH Sarabun New" panose="020B0500040200020003" pitchFamily="34" charset="-34"/>
               </a:defRPr>
             </a:pPr>
-            <a:endParaRPr lang="en-US"/>
+            <a:endParaRPr lang="th-TH"/>
           </a:p>
         </c:txPr>
         <c:crossAx val="1657161279"/>
@@ -714,7 +726,7 @@
                 <a:cs typeface="TH Sarabun New" panose="020B0500040200020003" pitchFamily="34" charset="-34"/>
               </a:defRPr>
             </a:pPr>
-            <a:endParaRPr lang="en-US"/>
+            <a:endParaRPr lang="th-TH"/>
           </a:p>
         </c:txPr>
         <c:crossAx val="1657834959"/>
@@ -756,7 +768,7 @@
               <a:cs typeface="TH Sarabun New" panose="020B0500040200020003" pitchFamily="34" charset="-34"/>
             </a:defRPr>
           </a:pPr>
-          <a:endParaRPr lang="en-US"/>
+          <a:endParaRPr lang="th-TH"/>
         </a:p>
       </c:txPr>
     </c:legend>
@@ -788,7 +800,7 @@
           <a:cs typeface="TH Sarabun New" panose="020B0500040200020003" pitchFamily="34" charset="-34"/>
         </a:defRPr>
       </a:pPr>
-      <a:endParaRPr lang="en-US"/>
+      <a:endParaRPr lang="th-TH"/>
     </a:p>
   </c:txPr>
   <c:externalData r:id="rId3">
@@ -801,7 +813,7 @@
 <file path=ppt/charts/chart2.xml><?xml version="1.0" encoding="utf-8"?>
 <c:chartSpace xmlns:c="http://schemas.openxmlformats.org/drawingml/2006/chart" xmlns:a="http://schemas.openxmlformats.org/drawingml/2006/main" xmlns:r="http://schemas.openxmlformats.org/officeDocument/2006/relationships" xmlns:c16r2="http://schemas.microsoft.com/office/drawing/2015/06/chart">
   <c:date1904 val="0"/>
-  <c:lang val="th-TH"/>
+  <c:lang val="en-US"/>
   <c:roundedCorners val="0"/>
   <mc:AlternateContent xmlns:mc="http://schemas.openxmlformats.org/markup-compatibility/2006">
     <mc:Choice xmlns:c14="http://schemas.microsoft.com/office/drawing/2007/8/2/chart" Requires="c14">
@@ -922,7 +934,7 @@
                   <a:schemeClr val="tx1"/>
                 </a:solidFill>
               </a:rPr>
-              <a:t>ที่ 8</a:t>
+              <a:t>ที่ 9</a:t>
             </a:r>
           </a:p>
         </c:rich>
@@ -952,7 +964,7 @@
               <a:cs typeface="TH Sarabun New" panose="020B0500040200020003" pitchFamily="34" charset="-34"/>
             </a:defRPr>
           </a:pPr>
-          <a:endParaRPr lang="en-US"/>
+          <a:endParaRPr lang="th-TH"/>
         </a:p>
       </c:txPr>
     </c:title>
@@ -1152,7 +1164,7 @@
                     <a:cs typeface="TH Sarabun New" panose="020B0500040200020003" pitchFamily="34" charset="-34"/>
                   </a:defRPr>
                 </a:pPr>
-                <a:endParaRPr lang="en-US"/>
+                <a:endParaRPr lang="th-TH"/>
               </a:p>
             </c:txPr>
             <c:dLblPos val="t"/>
@@ -1315,7 +1327,7 @@
                 <a:cs typeface="TH Sarabun New" panose="020B0500040200020003" pitchFamily="34" charset="-34"/>
               </a:defRPr>
             </a:pPr>
-            <a:endParaRPr lang="en-US"/>
+            <a:endParaRPr lang="th-TH"/>
           </a:p>
         </c:txPr>
         <c:crossAx val="1657161279"/>
@@ -1374,7 +1386,7 @@
                 <a:cs typeface="TH Sarabun New" panose="020B0500040200020003" pitchFamily="34" charset="-34"/>
               </a:defRPr>
             </a:pPr>
-            <a:endParaRPr lang="en-US"/>
+            <a:endParaRPr lang="th-TH"/>
           </a:p>
         </c:txPr>
         <c:crossAx val="1657834959"/>
@@ -1416,7 +1428,7 @@
               <a:cs typeface="TH Sarabun New" panose="020B0500040200020003" pitchFamily="34" charset="-34"/>
             </a:defRPr>
           </a:pPr>
-          <a:endParaRPr lang="en-US"/>
+          <a:endParaRPr lang="th-TH"/>
         </a:p>
       </c:txPr>
     </c:legend>
@@ -1448,7 +1460,7 @@
           <a:cs typeface="TH Sarabun New" panose="020B0500040200020003" pitchFamily="34" charset="-34"/>
         </a:defRPr>
       </a:pPr>
-      <a:endParaRPr lang="en-US"/>
+      <a:endParaRPr lang="th-TH"/>
     </a:p>
   </c:txPr>
   <c:externalData r:id="rId3">
@@ -2547,12 +2559,12 @@
 <c:userShapes xmlns:c="http://schemas.openxmlformats.org/drawingml/2006/chart">
   <cdr:relSizeAnchor xmlns:cdr="http://schemas.openxmlformats.org/drawingml/2006/chartDrawing">
     <cdr:from>
-      <cdr:x>0.06711</cdr:x>
-      <cdr:y>0.27324</cdr:y>
+      <cdr:x>0.08984</cdr:x>
+      <cdr:y>0.27154</cdr:y>
     </cdr:from>
     <cdr:to>
-      <cdr:x>0.12336</cdr:x>
-      <cdr:y>0.32106</cdr:y>
+      <cdr:x>0.14609</cdr:x>
+      <cdr:y>0.31936</cdr:y>
     </cdr:to>
     <cdr:sp macro="" textlink="">
       <cdr:nvSpPr>
@@ -2567,8 +2579,8 @@
       </cdr:nvSpPr>
       <cdr:spPr>
         <a:xfrm xmlns:a="http://schemas.openxmlformats.org/drawingml/2006/main">
-          <a:off x="545485" y="1480595"/>
-          <a:ext cx="457200" cy="259121"/>
+          <a:off x="730197" y="1471361"/>
+          <a:ext cx="457200" cy="259120"/>
         </a:xfrm>
         <a:prstGeom xmlns:a="http://schemas.openxmlformats.org/drawingml/2006/main" prst="rect">
           <a:avLst/>
@@ -2586,7 +2598,7 @@
               <a:latin typeface="TH Sarabun New" panose="020B0500040200020003" pitchFamily="34" charset="-34"/>
               <a:cs typeface="TH Sarabun New" panose="020B0500040200020003" pitchFamily="34" charset="-34"/>
             </a:rPr>
-            <a:t>3,850</a:t>
+            <a:t>3,995</a:t>
           </a:r>
           <a:endParaRPr lang="th-TH" sz="1200" dirty="0">
             <a:solidFill>
@@ -2601,12 +2613,12 @@
   </cdr:relSizeAnchor>
   <cdr:relSizeAnchor xmlns:cdr="http://schemas.openxmlformats.org/drawingml/2006/chartDrawing">
     <cdr:from>
-      <cdr:x>0.17203</cdr:x>
-      <cdr:y>0.32375</cdr:y>
+      <cdr:x>0.1868</cdr:x>
+      <cdr:y>0.32205</cdr:y>
     </cdr:from>
     <cdr:to>
-      <cdr:x>0.22828</cdr:x>
-      <cdr:y>0.37156</cdr:y>
+      <cdr:x>0.24305</cdr:x>
+      <cdr:y>0.36986</cdr:y>
     </cdr:to>
     <cdr:sp macro="" textlink="">
       <cdr:nvSpPr>
@@ -2621,7 +2633,7 @@
       </cdr:nvSpPr>
       <cdr:spPr>
         <a:xfrm xmlns:a="http://schemas.openxmlformats.org/drawingml/2006/main">
-          <a:off x="1398270" y="1754293"/>
+          <a:off x="1518333" y="1745057"/>
           <a:ext cx="457200" cy="259067"/>
         </a:xfrm>
         <a:prstGeom xmlns:a="http://schemas.openxmlformats.org/drawingml/2006/main" prst="rect">
@@ -2704,7 +2716,7 @@
               <a:latin typeface="TH Sarabun New" panose="020B0500040200020003" pitchFamily="34" charset="-34"/>
               <a:cs typeface="TH Sarabun New" panose="020B0500040200020003" pitchFamily="34" charset="-34"/>
             </a:rPr>
-            <a:t>3,615</a:t>
+            <a:t>3,760</a:t>
           </a:r>
           <a:endParaRPr lang="th-TH" sz="1200" dirty="0">
             <a:solidFill>
@@ -2822,7 +2834,7 @@
               <a:latin typeface="TH Sarabun New" panose="020B0500040200020003" pitchFamily="34" charset="-34"/>
               <a:cs typeface="TH Sarabun New" panose="020B0500040200020003" pitchFamily="34" charset="-34"/>
             </a:rPr>
-            <a:t>3,090</a:t>
+            <a:t>3,235</a:t>
           </a:r>
           <a:endParaRPr lang="th-TH" sz="1200" dirty="0">
             <a:solidFill>
@@ -2837,11 +2849,11 @@
   </cdr:relSizeAnchor>
   <cdr:relSizeAnchor xmlns:cdr="http://schemas.openxmlformats.org/drawingml/2006/chartDrawing">
     <cdr:from>
-      <cdr:x>0.36594</cdr:x>
+      <cdr:x>0.34662</cdr:x>
       <cdr:y>0.5</cdr:y>
     </cdr:from>
     <cdr:to>
-      <cdr:x>0.42219</cdr:x>
+      <cdr:x>0.40287</cdr:x>
       <cdr:y>0.54781</cdr:y>
     </cdr:to>
     <cdr:sp macro="" textlink="">
@@ -2857,7 +2869,7 @@
       </cdr:nvSpPr>
       <cdr:spPr>
         <a:xfrm xmlns:a="http://schemas.openxmlformats.org/drawingml/2006/main">
-          <a:off x="2974381" y="2709333"/>
+          <a:off x="2817342" y="2709333"/>
           <a:ext cx="457200" cy="259066"/>
         </a:xfrm>
         <a:prstGeom xmlns:a="http://schemas.openxmlformats.org/drawingml/2006/main" prst="rect">
@@ -2940,7 +2952,7 @@
               <a:latin typeface="TH Sarabun New" panose="020B0500040200020003" pitchFamily="34" charset="-34"/>
               <a:cs typeface="TH Sarabun New" panose="020B0500040200020003" pitchFamily="34" charset="-34"/>
             </a:rPr>
-            <a:t>2,385</a:t>
+            <a:t>2,530</a:t>
           </a:r>
           <a:endParaRPr lang="th-TH" sz="1200" dirty="0">
             <a:solidFill>
@@ -2955,12 +2967,12 @@
   </cdr:relSizeAnchor>
   <cdr:relSizeAnchor xmlns:cdr="http://schemas.openxmlformats.org/drawingml/2006/chartDrawing">
     <cdr:from>
-      <cdr:x>0.45914</cdr:x>
-      <cdr:y>0.59797</cdr:y>
+      <cdr:x>0.42391</cdr:x>
+      <cdr:y>0.5707</cdr:y>
     </cdr:from>
     <cdr:to>
-      <cdr:x>0.51539</cdr:x>
-      <cdr:y>0.64578</cdr:y>
+      <cdr:x>0.48016</cdr:x>
+      <cdr:y>0.61851</cdr:y>
     </cdr:to>
     <cdr:sp macro="" textlink="">
       <cdr:nvSpPr>
@@ -2975,7 +2987,7 @@
       </cdr:nvSpPr>
       <cdr:spPr>
         <a:xfrm xmlns:a="http://schemas.openxmlformats.org/drawingml/2006/main">
-          <a:off x="3731895" y="3240200"/>
+          <a:off x="3445563" y="3092418"/>
           <a:ext cx="457200" cy="259067"/>
         </a:xfrm>
         <a:prstGeom xmlns:a="http://schemas.openxmlformats.org/drawingml/2006/main" prst="rect">
@@ -3058,7 +3070,7 @@
               <a:latin typeface="TH Sarabun New" panose="020B0500040200020003" pitchFamily="34" charset="-34"/>
               <a:cs typeface="TH Sarabun New" panose="020B0500040200020003" pitchFamily="34" charset="-34"/>
             </a:rPr>
-            <a:t>1,760</a:t>
+            <a:t>1,905</a:t>
           </a:r>
           <a:endParaRPr lang="th-TH" sz="1200" dirty="0">
             <a:solidFill>
@@ -3073,12 +3085,12 @@
   </cdr:relSizeAnchor>
   <cdr:relSizeAnchor xmlns:cdr="http://schemas.openxmlformats.org/drawingml/2006/chartDrawing">
     <cdr:from>
-      <cdr:x>0.67695</cdr:x>
-      <cdr:y>0.74312</cdr:y>
+      <cdr:x>0.62823</cdr:x>
+      <cdr:y>0.74084</cdr:y>
     </cdr:from>
     <cdr:to>
-      <cdr:x>0.7332</cdr:x>
-      <cdr:y>0.79093</cdr:y>
+      <cdr:x>0.68448</cdr:x>
+      <cdr:y>0.78865</cdr:y>
     </cdr:to>
     <cdr:sp macro="" textlink="">
       <cdr:nvSpPr>
@@ -3093,7 +3105,7 @@
       </cdr:nvSpPr>
       <cdr:spPr>
         <a:xfrm xmlns:a="http://schemas.openxmlformats.org/drawingml/2006/main">
-          <a:off x="5502275" y="4026721"/>
+          <a:off x="5106266" y="4014356"/>
           <a:ext cx="457200" cy="259066"/>
         </a:xfrm>
         <a:prstGeom xmlns:a="http://schemas.openxmlformats.org/drawingml/2006/main" prst="rect">
@@ -3176,7 +3188,7 @@
               <a:latin typeface="TH Sarabun New" panose="020B0500040200020003" pitchFamily="34" charset="-34"/>
               <a:cs typeface="TH Sarabun New" panose="020B0500040200020003" pitchFamily="34" charset="-34"/>
             </a:rPr>
-            <a:t>800</a:t>
+            <a:t>945</a:t>
           </a:r>
           <a:endParaRPr lang="th-TH" sz="1200" dirty="0">
             <a:solidFill>
@@ -3191,12 +3203,12 @@
   </cdr:relSizeAnchor>
   <cdr:relSizeAnchor xmlns:cdr="http://schemas.openxmlformats.org/drawingml/2006/chartDrawing">
     <cdr:from>
-      <cdr:x>0.57149</cdr:x>
-      <cdr:y>0.67543</cdr:y>
+      <cdr:x>0.52149</cdr:x>
+      <cdr:y>0.66861</cdr:y>
     </cdr:from>
     <cdr:to>
-      <cdr:x>0.62774</cdr:x>
-      <cdr:y>0.72324</cdr:y>
+      <cdr:x>0.57774</cdr:x>
+      <cdr:y>0.71642</cdr:y>
     </cdr:to>
     <cdr:sp macro="" textlink="">
       <cdr:nvSpPr>
@@ -3211,7 +3223,7 @@
       </cdr:nvSpPr>
       <cdr:spPr>
         <a:xfrm xmlns:a="http://schemas.openxmlformats.org/drawingml/2006/main">
-          <a:off x="4645066" y="3659935"/>
+          <a:off x="4238671" y="3622985"/>
           <a:ext cx="457200" cy="259067"/>
         </a:xfrm>
         <a:prstGeom xmlns:a="http://schemas.openxmlformats.org/drawingml/2006/main" prst="rect">
@@ -3294,7 +3306,7 @@
               <a:latin typeface="TH Sarabun New" panose="020B0500040200020003" pitchFamily="34" charset="-34"/>
               <a:cs typeface="TH Sarabun New" panose="020B0500040200020003" pitchFamily="34" charset="-34"/>
             </a:rPr>
-            <a:t>1,285</a:t>
+            <a:t>1,430</a:t>
           </a:r>
           <a:endParaRPr lang="th-TH" sz="1200" dirty="0">
             <a:solidFill>
@@ -6655,7 +6667,7 @@
           <p:nvPr>
             <p:extLst>
               <p:ext uri="{D42A27DB-BD31-4B8C-83A1-F6EECF244321}">
-                <p14:modId xmlns:p14="http://schemas.microsoft.com/office/powerpoint/2010/main" val="3052626648"/>
+                <p14:modId xmlns:p14="http://schemas.microsoft.com/office/powerpoint/2010/main" val="1522334242"/>
               </p:ext>
             </p:extLst>
           </p:nvPr>
@@ -6684,7 +6696,7 @@
         </p:nvSpPr>
         <p:spPr>
           <a:xfrm>
-            <a:off x="8334375" y="5223517"/>
+            <a:off x="8011102" y="5205044"/>
             <a:ext cx="457200" cy="259066"/>
           </a:xfrm>
           <a:prstGeom prst="rect">
@@ -6767,7 +6779,116 @@
                 <a:latin typeface="TH Sarabun New" panose="020B0500040200020003" pitchFamily="34" charset="-34"/>
                 <a:cs typeface="TH Sarabun New" panose="020B0500040200020003" pitchFamily="34" charset="-34"/>
               </a:rPr>
-              <a:t>190</a:t>
+              <a:t>335</a:t>
+            </a:r>
+            <a:endParaRPr lang="th-TH" sz="1200" dirty="0">
+              <a:solidFill>
+                <a:srgbClr val="4472C4"/>
+              </a:solidFill>
+              <a:latin typeface="TH Sarabun New" panose="020B0500040200020003" pitchFamily="34" charset="-34"/>
+              <a:cs typeface="TH Sarabun New" panose="020B0500040200020003" pitchFamily="34" charset="-34"/>
+            </a:endParaRPr>
+          </a:p>
+        </p:txBody>
+      </p:sp>
+      <p:sp>
+        <p:nvSpPr>
+          <p:cNvPr id="4" name="กล่องข้อความ 1">
+            <a:extLst>
+              <a:ext uri="{FF2B5EF4-FFF2-40B4-BE49-F238E27FC236}">
+                <a16:creationId xmlns:a16="http://schemas.microsoft.com/office/drawing/2014/main" id="{BC2213E8-579B-4771-8E23-AD04882067C1}"/>
+              </a:ext>
+            </a:extLst>
+          </p:cNvPr>
+          <p:cNvSpPr txBox="1"/>
+          <p:nvPr/>
+        </p:nvSpPr>
+        <p:spPr>
+          <a:xfrm>
+            <a:off x="8626908" y="5334577"/>
+            <a:ext cx="457200" cy="259066"/>
+          </a:xfrm>
+          <a:prstGeom prst="rect">
+            <a:avLst/>
+          </a:prstGeom>
+        </p:spPr>
+        <p:txBody>
+          <a:bodyPr wrap="none" rtlCol="0"/>
+          <a:lstStyle>
+            <a:lvl1pPr marL="0" indent="0">
+              <a:defRPr sz="1100">
+                <a:latin typeface="+mn-lt"/>
+                <a:ea typeface="+mn-ea"/>
+                <a:cs typeface="+mn-cs"/>
+              </a:defRPr>
+            </a:lvl1pPr>
+            <a:lvl2pPr marL="457200" indent="0">
+              <a:defRPr sz="1100">
+                <a:latin typeface="+mn-lt"/>
+                <a:ea typeface="+mn-ea"/>
+                <a:cs typeface="+mn-cs"/>
+              </a:defRPr>
+            </a:lvl2pPr>
+            <a:lvl3pPr marL="914400" indent="0">
+              <a:defRPr sz="1100">
+                <a:latin typeface="+mn-lt"/>
+                <a:ea typeface="+mn-ea"/>
+                <a:cs typeface="+mn-cs"/>
+              </a:defRPr>
+            </a:lvl3pPr>
+            <a:lvl4pPr marL="1371600" indent="0">
+              <a:defRPr sz="1100">
+                <a:latin typeface="+mn-lt"/>
+                <a:ea typeface="+mn-ea"/>
+                <a:cs typeface="+mn-cs"/>
+              </a:defRPr>
+            </a:lvl4pPr>
+            <a:lvl5pPr marL="1828800" indent="0">
+              <a:defRPr sz="1100">
+                <a:latin typeface="+mn-lt"/>
+                <a:ea typeface="+mn-ea"/>
+                <a:cs typeface="+mn-cs"/>
+              </a:defRPr>
+            </a:lvl5pPr>
+            <a:lvl6pPr marL="2286000" indent="0">
+              <a:defRPr sz="1100">
+                <a:latin typeface="+mn-lt"/>
+                <a:ea typeface="+mn-ea"/>
+                <a:cs typeface="+mn-cs"/>
+              </a:defRPr>
+            </a:lvl6pPr>
+            <a:lvl7pPr marL="2743200" indent="0">
+              <a:defRPr sz="1100">
+                <a:latin typeface="+mn-lt"/>
+                <a:ea typeface="+mn-ea"/>
+                <a:cs typeface="+mn-cs"/>
+              </a:defRPr>
+            </a:lvl7pPr>
+            <a:lvl8pPr marL="3200400" indent="0">
+              <a:defRPr sz="1100">
+                <a:latin typeface="+mn-lt"/>
+                <a:ea typeface="+mn-ea"/>
+                <a:cs typeface="+mn-cs"/>
+              </a:defRPr>
+            </a:lvl8pPr>
+            <a:lvl9pPr marL="3657600" indent="0">
+              <a:defRPr sz="1100">
+                <a:latin typeface="+mn-lt"/>
+                <a:ea typeface="+mn-ea"/>
+                <a:cs typeface="+mn-cs"/>
+              </a:defRPr>
+            </a:lvl9pPr>
+          </a:lstStyle>
+          <a:p>
+            <a:r>
+              <a:rPr lang="en-US" sz="1200" dirty="0">
+                <a:solidFill>
+                  <a:srgbClr val="4472C4"/>
+                </a:solidFill>
+                <a:latin typeface="TH Sarabun New" panose="020B0500040200020003" pitchFamily="34" charset="-34"/>
+                <a:cs typeface="TH Sarabun New" panose="020B0500040200020003" pitchFamily="34" charset="-34"/>
+              </a:rPr>
+              <a:t>145</a:t>
             </a:r>
             <a:endParaRPr lang="th-TH" sz="1200" dirty="0">
               <a:solidFill>
@@ -6822,7 +6943,7 @@
           <p:nvPr>
             <p:extLst>
               <p:ext uri="{D42A27DB-BD31-4B8C-83A1-F6EECF244321}">
-                <p14:modId xmlns:p14="http://schemas.microsoft.com/office/powerpoint/2010/main" val="1431650831"/>
+                <p14:modId xmlns:p14="http://schemas.microsoft.com/office/powerpoint/2010/main" val="63956867"/>
               </p:ext>
             </p:extLst>
           </p:nvPr>
@@ -7069,7 +7190,7 @@
         </p:nvSpPr>
         <p:spPr>
           <a:xfrm>
-            <a:off x="4617720" y="2135504"/>
+            <a:off x="4377574" y="2237104"/>
             <a:ext cx="457200" cy="259080"/>
           </a:xfrm>
           <a:prstGeom prst="rect">
@@ -7178,7 +7299,7 @@
         </p:nvSpPr>
         <p:spPr>
           <a:xfrm>
-            <a:off x="5499735" y="3528059"/>
+            <a:off x="5289594" y="3528059"/>
             <a:ext cx="457200" cy="259080"/>
           </a:xfrm>
           <a:prstGeom prst="rect">
@@ -7287,7 +7408,7 @@
         </p:nvSpPr>
         <p:spPr>
           <a:xfrm>
-            <a:off x="6483985" y="3528059"/>
+            <a:off x="6063355" y="3428999"/>
             <a:ext cx="457200" cy="259080"/>
           </a:xfrm>
           <a:prstGeom prst="rect">
@@ -7396,7 +7517,7 @@
         </p:nvSpPr>
         <p:spPr>
           <a:xfrm>
-            <a:off x="7468235" y="3787138"/>
+            <a:off x="7109142" y="3676302"/>
             <a:ext cx="457200" cy="259080"/>
           </a:xfrm>
           <a:prstGeom prst="rect">
@@ -7505,7 +7626,7 @@
         </p:nvSpPr>
         <p:spPr>
           <a:xfrm>
-            <a:off x="8368665" y="3139439"/>
+            <a:off x="7647305" y="3268979"/>
             <a:ext cx="457200" cy="259080"/>
           </a:xfrm>
           <a:prstGeom prst="rect">
@@ -7614,7 +7735,116 @@
         </p:nvSpPr>
         <p:spPr>
           <a:xfrm>
-            <a:off x="8923020" y="4800600"/>
+            <a:off x="9310948" y="4930140"/>
+            <a:ext cx="457200" cy="259080"/>
+          </a:xfrm>
+          <a:prstGeom prst="rect">
+            <a:avLst/>
+          </a:prstGeom>
+        </p:spPr>
+        <p:txBody>
+          <a:bodyPr wrap="none" rtlCol="0"/>
+          <a:lstStyle>
+            <a:lvl1pPr marL="0" indent="0">
+              <a:defRPr sz="1100">
+                <a:latin typeface="+mn-lt"/>
+                <a:ea typeface="+mn-ea"/>
+                <a:cs typeface="+mn-cs"/>
+              </a:defRPr>
+            </a:lvl1pPr>
+            <a:lvl2pPr marL="457200" indent="0">
+              <a:defRPr sz="1100">
+                <a:latin typeface="+mn-lt"/>
+                <a:ea typeface="+mn-ea"/>
+                <a:cs typeface="+mn-cs"/>
+              </a:defRPr>
+            </a:lvl2pPr>
+            <a:lvl3pPr marL="914400" indent="0">
+              <a:defRPr sz="1100">
+                <a:latin typeface="+mn-lt"/>
+                <a:ea typeface="+mn-ea"/>
+                <a:cs typeface="+mn-cs"/>
+              </a:defRPr>
+            </a:lvl3pPr>
+            <a:lvl4pPr marL="1371600" indent="0">
+              <a:defRPr sz="1100">
+                <a:latin typeface="+mn-lt"/>
+                <a:ea typeface="+mn-ea"/>
+                <a:cs typeface="+mn-cs"/>
+              </a:defRPr>
+            </a:lvl4pPr>
+            <a:lvl5pPr marL="1828800" indent="0">
+              <a:defRPr sz="1100">
+                <a:latin typeface="+mn-lt"/>
+                <a:ea typeface="+mn-ea"/>
+                <a:cs typeface="+mn-cs"/>
+              </a:defRPr>
+            </a:lvl5pPr>
+            <a:lvl6pPr marL="2286000" indent="0">
+              <a:defRPr sz="1100">
+                <a:latin typeface="+mn-lt"/>
+                <a:ea typeface="+mn-ea"/>
+                <a:cs typeface="+mn-cs"/>
+              </a:defRPr>
+            </a:lvl6pPr>
+            <a:lvl7pPr marL="2743200" indent="0">
+              <a:defRPr sz="1100">
+                <a:latin typeface="+mn-lt"/>
+                <a:ea typeface="+mn-ea"/>
+                <a:cs typeface="+mn-cs"/>
+              </a:defRPr>
+            </a:lvl7pPr>
+            <a:lvl8pPr marL="3200400" indent="0">
+              <a:defRPr sz="1100">
+                <a:latin typeface="+mn-lt"/>
+                <a:ea typeface="+mn-ea"/>
+                <a:cs typeface="+mn-cs"/>
+              </a:defRPr>
+            </a:lvl8pPr>
+            <a:lvl9pPr marL="3657600" indent="0">
+              <a:defRPr sz="1100">
+                <a:latin typeface="+mn-lt"/>
+                <a:ea typeface="+mn-ea"/>
+                <a:cs typeface="+mn-cs"/>
+              </a:defRPr>
+            </a:lvl9pPr>
+          </a:lstStyle>
+          <a:p>
+            <a:r>
+              <a:rPr lang="en-US" sz="1200" dirty="0">
+                <a:solidFill>
+                  <a:srgbClr val="4472C4"/>
+                </a:solidFill>
+                <a:latin typeface="TH Sarabun New" panose="020B0500040200020003" pitchFamily="34" charset="-34"/>
+                <a:cs typeface="TH Sarabun New" panose="020B0500040200020003" pitchFamily="34" charset="-34"/>
+              </a:rPr>
+              <a:t>145</a:t>
+            </a:r>
+            <a:endParaRPr lang="th-TH" sz="1200" dirty="0">
+              <a:solidFill>
+                <a:srgbClr val="4472C4"/>
+              </a:solidFill>
+              <a:latin typeface="TH Sarabun New" panose="020B0500040200020003" pitchFamily="34" charset="-34"/>
+              <a:cs typeface="TH Sarabun New" panose="020B0500040200020003" pitchFamily="34" charset="-34"/>
+            </a:endParaRPr>
+          </a:p>
+        </p:txBody>
+      </p:sp>
+      <p:sp>
+        <p:nvSpPr>
+          <p:cNvPr id="11" name="กล่องข้อความ 1">
+            <a:extLst>
+              <a:ext uri="{FF2B5EF4-FFF2-40B4-BE49-F238E27FC236}">
+                <a16:creationId xmlns:a16="http://schemas.microsoft.com/office/drawing/2014/main" id="{B64262F0-4DDC-4EC1-9962-06784FF735D0}"/>
+              </a:ext>
+            </a:extLst>
+          </p:cNvPr>
+          <p:cNvSpPr txBox="1"/>
+          <p:nvPr/>
+        </p:nvSpPr>
+        <p:spPr>
+          <a:xfrm>
+            <a:off x="8597265" y="4800600"/>
             <a:ext cx="457200" cy="259080"/>
           </a:xfrm>
           <a:prstGeom prst="rect">
